--- a/AI-Conversation-Analytics-Technical-Deep-Dive.pptx
+++ b/AI-Conversation-Analytics-Technical-Deep-Dive.pptx
@@ -12830,7 +12830,48 @@
                 <a:ea typeface="Instrument Sans Medium" pitchFamily="34" charset="-122"/>
                 <a:cs typeface="Instrument Sans Medium" pitchFamily="34" charset="-120"/>
               </a:rPr>
-              <a:t>Use UMAP to reduce dimensionality while preserving structure</a:t>
+              <a:t>Use </a:t>
+            </a:r>
+            <a:r>
+              <a:rPr lang="en-US" sz="1500" dirty="0" err="1">
+                <a:solidFill>
+                  <a:srgbClr val="5B5F71"/>
+                </a:solidFill>
+                <a:latin typeface="Instrument Sans Medium" pitchFamily="34" charset="0"/>
+                <a:ea typeface="Instrument Sans Medium" pitchFamily="34" charset="-122"/>
+                <a:cs typeface="Instrument Sans Medium" pitchFamily="34" charset="-120"/>
+              </a:rPr>
+              <a:t>MiniLM</a:t>
+            </a:r>
+            <a:r>
+              <a:rPr lang="en-US" sz="1500" dirty="0">
+                <a:solidFill>
+                  <a:srgbClr val="5B5F71"/>
+                </a:solidFill>
+                <a:latin typeface="Instrument Sans Medium" pitchFamily="34" charset="0"/>
+                <a:ea typeface="Instrument Sans Medium" pitchFamily="34" charset="-122"/>
+                <a:cs typeface="Instrument Sans Medium" pitchFamily="34" charset="-120"/>
+              </a:rPr>
+              <a:t> and UMAP to reduce dimensionality while preserving </a:t>
+            </a:r>
+          </a:p>
+          <a:p>
+            <a:pPr algn="l">
+              <a:lnSpc>
+                <a:spcPts val="2400"/>
+              </a:lnSpc>
+              <a:buSzPct val="100000"/>
+            </a:pPr>
+            <a:r>
+              <a:rPr lang="en-US" sz="1500" dirty="0">
+                <a:solidFill>
+                  <a:srgbClr val="5B5F71"/>
+                </a:solidFill>
+                <a:latin typeface="Instrument Sans Medium" pitchFamily="34" charset="0"/>
+                <a:ea typeface="Instrument Sans Medium" pitchFamily="34" charset="-122"/>
+                <a:cs typeface="Instrument Sans Medium" pitchFamily="34" charset="-120"/>
+              </a:rPr>
+              <a:t>structure</a:t>
             </a:r>
             <a:endParaRPr lang="en-US" sz="1500" dirty="0"/>
           </a:p>
@@ -12844,7 +12885,7 @@
         </p:nvSpPr>
         <p:spPr>
           <a:xfrm>
-            <a:off x="764858" y="3383756"/>
+            <a:off x="764858" y="3637003"/>
             <a:ext cx="6317099" cy="305872"/>
           </a:xfrm>
           <a:prstGeom prst="rect">
@@ -12967,7 +13008,7 @@
         </p:nvSpPr>
         <p:spPr>
           <a:xfrm>
-            <a:off x="764858" y="4019371"/>
+            <a:off x="764858" y="4272618"/>
             <a:ext cx="6317099" cy="305872"/>
           </a:xfrm>
           <a:prstGeom prst="rect">
@@ -13009,7 +13050,7 @@
         </p:nvSpPr>
         <p:spPr>
           <a:xfrm>
-            <a:off x="764858" y="4650224"/>
+            <a:off x="766763" y="5027712"/>
             <a:ext cx="6317099" cy="2427803"/>
           </a:xfrm>
           <a:prstGeom prst="roundRect">
@@ -13038,7 +13079,7 @@
         </p:nvSpPr>
         <p:spPr>
           <a:xfrm>
-            <a:off x="755333" y="4650224"/>
+            <a:off x="757238" y="5027712"/>
             <a:ext cx="6336149" cy="2427803"/>
           </a:xfrm>
           <a:prstGeom prst="roundRect">
@@ -13067,7 +13108,7 @@
         </p:nvSpPr>
         <p:spPr>
           <a:xfrm>
-            <a:off x="946547" y="4793575"/>
+            <a:off x="948452" y="5171063"/>
             <a:ext cx="5953720" cy="2141101"/>
           </a:xfrm>
           <a:prstGeom prst="rect">
@@ -13790,6 +13831,76 @@
                 <a:cs typeface="Instrument Sans Medium" pitchFamily="34" charset="-120"/>
               </a:rPr>
               <a:t> VADER produces positive/negative/neutral/compound scores, while TextBlob provides polarity and subjectivity metrics.</a:t>
+            </a:r>
+            <a:endParaRPr lang="en-US" sz="1500" dirty="0"/>
+          </a:p>
+        </p:txBody>
+      </p:sp>
+      <p:sp>
+        <p:nvSpPr>
+          <p:cNvPr id="20" name="Text 6">
+            <a:extLst>
+              <a:ext uri="{FF2B5EF4-FFF2-40B4-BE49-F238E27FC236}">
+                <a16:creationId xmlns:a16="http://schemas.microsoft.com/office/drawing/2014/main" id="{8B71B6B6-8A32-A54C-2588-430E204E4B5B}"/>
+              </a:ext>
+            </a:extLst>
+          </p:cNvPr>
+          <p:cNvSpPr/>
+          <p:nvPr/>
+        </p:nvSpPr>
+        <p:spPr>
+          <a:xfrm>
+            <a:off x="747713" y="4640580"/>
+            <a:ext cx="6317099" cy="305872"/>
+          </a:xfrm>
+          <a:prstGeom prst="rect">
+            <a:avLst/>
+          </a:prstGeom>
+          <a:noFill/>
+          <a:ln/>
+        </p:spPr>
+        <p:txBody>
+          <a:bodyPr wrap="none" lIns="0" tIns="0" rIns="0" bIns="0" rtlCol="0" anchor="t"/>
+          <a:lstStyle/>
+          <a:p>
+            <a:pPr>
+              <a:lnSpc>
+                <a:spcPts val="2400"/>
+              </a:lnSpc>
+              <a:buSzPct val="100000"/>
+            </a:pPr>
+            <a:r>
+              <a:rPr lang="en-US" sz="1500" dirty="0">
+                <a:solidFill>
+                  <a:srgbClr val="5B5F71"/>
+                </a:solidFill>
+                <a:latin typeface="Instrument Sans Medium" pitchFamily="34" charset="0"/>
+                <a:ea typeface="Instrument Sans Medium" pitchFamily="34" charset="-122"/>
+                <a:cs typeface="Instrument Sans Medium" pitchFamily="34" charset="-120"/>
+              </a:rPr>
+              <a:t>5.     Use </a:t>
+            </a:r>
+            <a:r>
+              <a:rPr lang="en-US" sz="1500" dirty="0" err="1">
+                <a:solidFill>
+                  <a:srgbClr val="5B5F71"/>
+                </a:solidFill>
+                <a:latin typeface="Instrument Sans Medium" pitchFamily="34" charset="0"/>
+                <a:ea typeface="Instrument Sans Medium" pitchFamily="34" charset="-122"/>
+                <a:cs typeface="Instrument Sans Medium" pitchFamily="34" charset="-120"/>
+              </a:rPr>
+              <a:t>CountVectorizer</a:t>
+            </a:r>
+            <a:r>
+              <a:rPr lang="en-US" sz="1500" dirty="0">
+                <a:solidFill>
+                  <a:srgbClr val="5B5F71"/>
+                </a:solidFill>
+                <a:latin typeface="Instrument Sans Medium" pitchFamily="34" charset="0"/>
+                <a:ea typeface="Instrument Sans Medium" pitchFamily="34" charset="-122"/>
+                <a:cs typeface="Instrument Sans Medium" pitchFamily="34" charset="-120"/>
+              </a:rPr>
+              <a:t> and c-TF-IDF to get readable topic names</a:t>
             </a:r>
             <a:endParaRPr lang="en-US" sz="1500" dirty="0"/>
           </a:p>
@@ -15449,17 +15560,6 @@
               </a:lnSpc>
               <a:buNone/>
             </a:pPr>
-            <a:r>
-              <a:rPr lang="en-US" sz="1400" dirty="0">
-                <a:solidFill>
-                  <a:srgbClr val="5B5F71"/>
-                </a:solidFill>
-                <a:latin typeface="Instrument Sans Medium" pitchFamily="34" charset="0"/>
-                <a:ea typeface="Instrument Sans Medium" pitchFamily="34" charset="-122"/>
-                <a:cs typeface="Instrument Sans Medium" pitchFamily="34" charset="-120"/>
-              </a:rPr>
-              <a:t>We cluster entities using a robust, multi-fallback approach:</a:t>
-            </a:r>
             <a:endParaRPr lang="en-US" sz="1400" dirty="0"/>
           </a:p>
         </p:txBody>
